--- a/Esercitazione 5- AWS/PresentazioneProgetto.pptx
+++ b/Esercitazione 5- AWS/PresentazioneProgetto.pptx
@@ -111,6 +111,11 @@
       </a:defRPr>
     </a:lvl9pPr>
   </p:defaultTextStyle>
+  <p:extLst>
+    <p:ext uri="{EFAFB233-063F-42B5-8137-9DF3F51BA10A}">
+      <p15:sldGuideLst xmlns:p15="http://schemas.microsoft.com/office/powerpoint/2012/main"/>
+    </p:ext>
+  </p:extLst>
 </p:presentation>
 </file>
 
@@ -209,7 +214,7 @@
           <a:effectLst/>
           <a:extLst>
             <a:ext uri="{91240B29-F687-4f45-9708-019B960494DF}">
-              <a14:hiddenLine xmlns:a14="http://schemas.microsoft.com/office/drawing/2010/main" xmlns="" w="9525">
+              <a14:hiddenLine xmlns="" xmlns:a14="http://schemas.microsoft.com/office/drawing/2010/main" w="9525">
                 <a:solidFill>
                   <a:srgbClr val="000000"/>
                 </a:solidFill>
@@ -402,7 +407,7 @@
             <a:fld id="{08B9EBBA-996F-894A-B54A-D6246ED52CEA}" type="datetimeFigureOut">
               <a:rPr lang="en-US" dirty="0"/>
               <a:pPr/>
-              <a:t>4/26/22</a:t>
+              <a:t>4/28/22</a:t>
             </a:fld>
             <a:endParaRPr lang="en-US" dirty="0"/>
           </a:p>
@@ -717,7 +722,7 @@
             <a:fld id="{18C79C5D-2A6F-F04D-97DA-BEF2467B64E4}" type="datetimeFigureOut">
               <a:rPr lang="en-US" dirty="0"/>
               <a:pPr/>
-              <a:t>4/26/22</a:t>
+              <a:t>4/28/22</a:t>
             </a:fld>
             <a:endParaRPr lang="en-US" dirty="0"/>
           </a:p>
@@ -1202,7 +1207,7 @@
             <a:fld id="{8DFA1846-DA80-1C48-A609-854EA85C59AD}" type="datetimeFigureOut">
               <a:rPr lang="en-US" dirty="0"/>
               <a:pPr/>
-              <a:t>4/26/22</a:t>
+              <a:t>4/28/22</a:t>
             </a:fld>
             <a:endParaRPr lang="en-US" dirty="0"/>
           </a:p>
@@ -1568,7 +1573,7 @@
             <a:fld id="{FBF54567-0DE4-3F47-BF90-CB84690072F9}" type="datetimeFigureOut">
               <a:rPr lang="en-US" dirty="0"/>
               <a:pPr/>
-              <a:t>4/26/22</a:t>
+              <a:t>4/28/22</a:t>
             </a:fld>
             <a:endParaRPr lang="en-US" dirty="0"/>
           </a:p>
@@ -1719,7 +1724,7 @@
           <a:ln/>
           <a:extLst>
             <a:ext uri="{91240B29-F687-4f45-9708-019B960494DF}">
-              <a14:hiddenLine xmlns:a14="http://schemas.microsoft.com/office/drawing/2010/main" xmlns="" w="9525">
+              <a14:hiddenLine xmlns="" xmlns:a14="http://schemas.microsoft.com/office/drawing/2010/main" w="9525">
                 <a:solidFill>
                   <a:srgbClr val="000000"/>
                 </a:solidFill>
@@ -1838,7 +1843,7 @@
             <a:fld id="{C6C52C72-DE31-F449-A4ED-4C594FD91407}" type="datetimeFigureOut">
               <a:rPr lang="en-US" dirty="0"/>
               <a:pPr/>
-              <a:t>4/26/22</a:t>
+              <a:t>4/28/22</a:t>
             </a:fld>
             <a:endParaRPr lang="en-US" dirty="0"/>
           </a:p>
@@ -1991,7 +1996,7 @@
           <a:ln/>
           <a:extLst>
             <a:ext uri="{91240B29-F687-4f45-9708-019B960494DF}">
-              <a14:hiddenLine xmlns:a14="http://schemas.microsoft.com/office/drawing/2010/main" xmlns="" w="9525">
+              <a14:hiddenLine xmlns="" xmlns:a14="http://schemas.microsoft.com/office/drawing/2010/main" w="9525">
                 <a:solidFill>
                   <a:srgbClr val="000000"/>
                 </a:solidFill>
@@ -2120,7 +2125,7 @@
             <a:fld id="{ED62726E-379B-B349-9EED-81ED093FA806}" type="datetimeFigureOut">
               <a:rPr lang="en-US" dirty="0"/>
               <a:pPr/>
-              <a:t>4/26/22</a:t>
+              <a:t>4/28/22</a:t>
             </a:fld>
             <a:endParaRPr lang="en-US" dirty="0"/>
           </a:p>
@@ -2271,7 +2276,7 @@
           <a:ln/>
           <a:extLst>
             <a:ext uri="{91240B29-F687-4f45-9708-019B960494DF}">
-              <a14:hiddenLine xmlns:a14="http://schemas.microsoft.com/office/drawing/2010/main" xmlns="" w="9525">
+              <a14:hiddenLine xmlns="" xmlns:a14="http://schemas.microsoft.com/office/drawing/2010/main" w="9525">
                 <a:solidFill>
                   <a:srgbClr val="000000"/>
                 </a:solidFill>
@@ -2400,7 +2405,7 @@
             <a:fld id="{9B3A1323-8D79-1946-B0D7-40001CF92E9D}" type="datetimeFigureOut">
               <a:rPr lang="en-US" dirty="0"/>
               <a:pPr/>
-              <a:t>4/26/22</a:t>
+              <a:t>4/28/22</a:t>
             </a:fld>
             <a:endParaRPr lang="en-US" dirty="0"/>
           </a:p>
@@ -2740,7 +2745,7 @@
             <a:fld id="{8DFA1846-DA80-1C48-A609-854EA85C59AD}" type="datetimeFigureOut">
               <a:rPr lang="en-US" dirty="0"/>
               <a:pPr/>
-              <a:t>4/26/22</a:t>
+              <a:t>4/28/22</a:t>
             </a:fld>
             <a:endParaRPr lang="en-US" dirty="0"/>
           </a:p>
@@ -2891,7 +2896,7 @@
           <a:ln/>
           <a:extLst>
             <a:ext uri="{91240B29-F687-4f45-9708-019B960494DF}">
-              <a14:hiddenLine xmlns:a14="http://schemas.microsoft.com/office/drawing/2010/main" xmlns="" w="9525">
+              <a14:hiddenLine xmlns="" xmlns:a14="http://schemas.microsoft.com/office/drawing/2010/main" w="9525">
                 <a:solidFill>
                   <a:srgbClr val="000000"/>
                 </a:solidFill>
@@ -3076,7 +3081,7 @@
             <a:fld id="{57302355-E14B-8545-A8F8-0FE83CC9D524}" type="datetimeFigureOut">
               <a:rPr lang="en-US" dirty="0"/>
               <a:pPr/>
-              <a:t>4/26/22</a:t>
+              <a:t>4/28/22</a:t>
             </a:fld>
             <a:endParaRPr lang="en-US" dirty="0"/>
           </a:p>
@@ -3227,7 +3232,7 @@
           <a:ln/>
           <a:extLst>
             <a:ext uri="{91240B29-F687-4f45-9708-019B960494DF}">
-              <a14:hiddenLine xmlns:a14="http://schemas.microsoft.com/office/drawing/2010/main" xmlns="" w="9525">
+              <a14:hiddenLine xmlns="" xmlns:a14="http://schemas.microsoft.com/office/drawing/2010/main" w="9525">
                 <a:solidFill>
                   <a:srgbClr val="000000"/>
                 </a:solidFill>
@@ -3550,7 +3555,7 @@
             <a:fld id="{02640F58-564D-2B4F-AE67-E407BA4FCF45}" type="datetimeFigureOut">
               <a:rPr lang="en-US" dirty="0"/>
               <a:pPr/>
-              <a:t>4/26/22</a:t>
+              <a:t>4/28/22</a:t>
             </a:fld>
             <a:endParaRPr lang="en-US" dirty="0"/>
           </a:p>
@@ -3701,7 +3706,7 @@
           <a:ln/>
           <a:extLst>
             <a:ext uri="{91240B29-F687-4f45-9708-019B960494DF}">
-              <a14:hiddenLine xmlns:a14="http://schemas.microsoft.com/office/drawing/2010/main" xmlns="" w="9525">
+              <a14:hiddenLine xmlns="" xmlns:a14="http://schemas.microsoft.com/office/drawing/2010/main" w="9525">
                 <a:solidFill>
                   <a:srgbClr val="000000"/>
                 </a:solidFill>
@@ -3768,7 +3773,7 @@
             <a:fld id="{F13A34C8-038E-2045-AF43-DF7DBB8E0E9E}" type="datetimeFigureOut">
               <a:rPr lang="en-US" dirty="0"/>
               <a:pPr/>
-              <a:t>4/26/22</a:t>
+              <a:t>4/28/22</a:t>
             </a:fld>
             <a:endParaRPr lang="en-US" dirty="0"/>
           </a:p>
@@ -3860,7 +3865,7 @@
             <a:fld id="{8818C68F-D26B-8F47-958C-23B49CF8A634}" type="datetimeFigureOut">
               <a:rPr lang="en-US" dirty="0"/>
               <a:pPr/>
-              <a:t>4/26/22</a:t>
+              <a:t>4/28/22</a:t>
             </a:fld>
             <a:endParaRPr lang="en-US" dirty="0"/>
           </a:p>
@@ -4124,7 +4129,7 @@
           <a:ln/>
           <a:extLst>
             <a:ext uri="{91240B29-F687-4f45-9708-019B960494DF}">
-              <a14:hiddenLine xmlns:a14="http://schemas.microsoft.com/office/drawing/2010/main" xmlns="" w="9525">
+              <a14:hiddenLine xmlns="" xmlns:a14="http://schemas.microsoft.com/office/drawing/2010/main" w="9525">
                 <a:solidFill>
                   <a:srgbClr val="000000"/>
                 </a:solidFill>
@@ -4324,7 +4329,7 @@
             <a:fld id="{D0DF5E60-9974-AC48-9591-99C2BB44B7CF}" type="datetimeFigureOut">
               <a:rPr lang="en-US" dirty="0"/>
               <a:pPr/>
-              <a:t>4/26/22</a:t>
+              <a:t>4/28/22</a:t>
             </a:fld>
             <a:endParaRPr lang="en-US" dirty="0"/>
           </a:p>
@@ -4634,7 +4639,7 @@
             <a:fld id="{18C79C5D-2A6F-F04D-97DA-BEF2467B64E4}" type="datetimeFigureOut">
               <a:rPr lang="en-US" dirty="0"/>
               <a:pPr/>
-              <a:t>4/26/22</a:t>
+              <a:t>4/28/22</a:t>
             </a:fld>
             <a:endParaRPr lang="en-US" dirty="0"/>
           </a:p>
@@ -4901,7 +4906,7 @@
             <a:fld id="{09B482E8-6E0E-1B4F-B1FD-C69DB9E858D9}" type="datetimeFigureOut">
               <a:rPr lang="en-US" dirty="0"/>
               <a:pPr/>
-              <a:t>4/26/22</a:t>
+              <a:t>4/28/22</a:t>
             </a:fld>
             <a:endParaRPr lang="en-US" dirty="0"/>
           </a:p>
@@ -5624,7 +5629,7 @@
           <a:effectLst/>
           <a:extLst>
             <a:ext uri="{91240B29-F687-4f45-9708-019B960494DF}">
-              <a14:hiddenLine xmlns="" xmlns:a16="http://schemas.microsoft.com/office/drawing/2014/main" xmlns:p14="http://schemas.microsoft.com/office/powerpoint/2010/main" xmlns:a14="http://schemas.microsoft.com/office/drawing/2010/main" w="9525">
+              <a14:hiddenLine xmlns:a14="http://schemas.microsoft.com/office/drawing/2010/main" xmlns:p14="http://schemas.microsoft.com/office/powerpoint/2010/main" xmlns:a16="http://schemas.microsoft.com/office/drawing/2014/main" xmlns="" w="9525">
                 <a:solidFill>
                   <a:srgbClr val="000000"/>
                 </a:solidFill>
@@ -5679,9 +5684,14 @@
           <a:lstStyle/>
           <a:p>
             <a:r>
-              <a:rPr lang="en-US" sz="5400"/>
-              <a:t>Schema del modello</a:t>
-            </a:r>
+              <a:rPr lang="en-US" sz="5400" dirty="0"/>
+              <a:t>Schema del </a:t>
+            </a:r>
+            <a:r>
+              <a:rPr lang="en-US" sz="5400" dirty="0" err="1"/>
+              <a:t>modello</a:t>
+            </a:r>
+            <a:endParaRPr lang="en-US" sz="5400" dirty="0"/>
           </a:p>
         </p:txBody>
       </p:sp>
@@ -6582,7 +6592,7 @@
           <a:effectLst/>
           <a:extLst>
             <a:ext uri="{91240B29-F687-4f45-9708-019B960494DF}">
-              <a14:hiddenLine xmlns="" xmlns:a16="http://schemas.microsoft.com/office/drawing/2014/main" xmlns:a14="http://schemas.microsoft.com/office/drawing/2010/main" xmlns:p14="http://schemas.microsoft.com/office/powerpoint/2010/main" w="9525">
+              <a14:hiddenLine xmlns:p14="http://schemas.microsoft.com/office/powerpoint/2010/main" xmlns:a14="http://schemas.microsoft.com/office/drawing/2010/main" xmlns:a16="http://schemas.microsoft.com/office/drawing/2014/main" xmlns="" w="9525">
                 <a:solidFill>
                   <a:srgbClr val="000000"/>
                 </a:solidFill>
@@ -6877,8 +6887,12 @@
           <a:lstStyle/>
           <a:p>
             <a:r>
-              <a:rPr lang="en-US" sz="3700"/>
-              <a:t>Applicazione in Flutter</a:t>
+              <a:rPr lang="en-US" sz="3700" dirty="0" err="1"/>
+              <a:t>Applicazione</a:t>
+            </a:r>
+            <a:r>
+              <a:rPr lang="en-US" sz="3700" dirty="0"/>
+              <a:t> in Flutter</a:t>
             </a:r>
           </a:p>
         </p:txBody>
@@ -6975,6 +6989,38 @@
           </a:prstGeom>
         </p:spPr>
       </p:pic>
+      <p:sp>
+        <p:nvSpPr>
+          <p:cNvPr id="3" name="CasellaDiTesto 2">
+            <a:extLst>
+              <a:ext uri="{FF2B5EF4-FFF2-40B4-BE49-F238E27FC236}">
+                <a16:creationId xmlns:a16="http://schemas.microsoft.com/office/drawing/2014/main" id="{99B06B2E-4AC4-EDB9-D66A-CE6FF6649CF0}"/>
+              </a:ext>
+            </a:extLst>
+          </p:cNvPr>
+          <p:cNvSpPr txBox="1"/>
+          <p:nvPr/>
+        </p:nvSpPr>
+        <p:spPr>
+          <a:xfrm>
+            <a:off x="2883877" y="3235569"/>
+            <a:ext cx="184731" cy="369332"/>
+          </a:xfrm>
+          <a:prstGeom prst="rect">
+            <a:avLst/>
+          </a:prstGeom>
+          <a:noFill/>
+        </p:spPr>
+        <p:txBody>
+          <a:bodyPr wrap="none" rtlCol="0">
+            <a:spAutoFit/>
+          </a:bodyPr>
+          <a:lstStyle/>
+          <a:p>
+            <a:endParaRPr lang="it-IT" dirty="0"/>
+          </a:p>
+        </p:txBody>
+      </p:sp>
     </p:spTree>
     <p:extLst>
       <p:ext uri="{BB962C8B-B14F-4D97-AF65-F5344CB8AC3E}">
